--- a/presentation.pptx
+++ b/presentation.pptx
@@ -18,37 +18,39 @@
     <p:sldId id="263" r:id="rId12"/>
     <p:sldId id="264" r:id="rId13"/>
     <p:sldId id="265" r:id="rId14"/>
+    <p:sldId id="266" r:id="rId15"/>
+    <p:sldId id="267" r:id="rId16"/>
   </p:sldIdLst>
   <p:sldSz cy="5143500" cx="9144000"/>
   <p:notesSz cx="6858000" cy="9144000"/>
   <p:embeddedFontLst>
     <p:embeddedFont>
       <p:font typeface="Montserrat"/>
-      <p:regular r:id="rId15"/>
-      <p:bold r:id="rId16"/>
-      <p:italic r:id="rId17"/>
-      <p:boldItalic r:id="rId18"/>
+      <p:regular r:id="rId17"/>
+      <p:bold r:id="rId18"/>
+      <p:italic r:id="rId19"/>
+      <p:boldItalic r:id="rId20"/>
     </p:embeddedFont>
     <p:embeddedFont>
       <p:font typeface="Lato"/>
-      <p:regular r:id="rId19"/>
-      <p:bold r:id="rId20"/>
-      <p:italic r:id="rId21"/>
-      <p:boldItalic r:id="rId22"/>
+      <p:regular r:id="rId21"/>
+      <p:bold r:id="rId22"/>
+      <p:italic r:id="rId23"/>
+      <p:boldItalic r:id="rId24"/>
     </p:embeddedFont>
     <p:embeddedFont>
       <p:font typeface="Gentium Basic"/>
-      <p:regular r:id="rId23"/>
-      <p:bold r:id="rId24"/>
-      <p:italic r:id="rId25"/>
-      <p:boldItalic r:id="rId26"/>
+      <p:regular r:id="rId25"/>
+      <p:bold r:id="rId26"/>
+      <p:italic r:id="rId27"/>
+      <p:boldItalic r:id="rId28"/>
     </p:embeddedFont>
     <p:embeddedFont>
       <p:font typeface="Alegreya"/>
-      <p:regular r:id="rId27"/>
-      <p:bold r:id="rId28"/>
-      <p:italic r:id="rId29"/>
-      <p:boldItalic r:id="rId30"/>
+      <p:regular r:id="rId29"/>
+      <p:bold r:id="rId30"/>
+      <p:italic r:id="rId31"/>
+      <p:boldItalic r:id="rId32"/>
     </p:embeddedFont>
   </p:embeddedFontLst>
   <p:defaultTextStyle>
@@ -578,7 +580,7 @@
   <p:cSld>
     <p:spTree>
       <p:nvGrpSpPr>
-        <p:cNvPr id="196" name="Shape 196"/>
+        <p:cNvPr id="198" name="Shape 198"/>
         <p:cNvGrpSpPr/>
         <p:nvPr/>
       </p:nvGrpSpPr>
@@ -592,7 +594,105 @@
       </p:grpSpPr>
       <p:sp>
         <p:nvSpPr>
-          <p:cNvPr id="197" name="Shape 197"/>
+          <p:cNvPr id="199" name="Shape 199"/>
+          <p:cNvSpPr/>
+          <p:nvPr>
+            <p:ph idx="2" type="sldImg"/>
+          </p:nvPr>
+        </p:nvSpPr>
+        <p:spPr>
+          <a:xfrm>
+            <a:off x="381300" y="685800"/>
+            <a:ext cx="6096000" cy="3429000"/>
+          </a:xfrm>
+          <a:custGeom>
+            <a:pathLst>
+              <a:path extrusionOk="0" h="120000" w="120000">
+                <a:moveTo>
+                  <a:pt x="0" y="0"/>
+                </a:moveTo>
+                <a:lnTo>
+                  <a:pt x="120000" y="0"/>
+                </a:lnTo>
+                <a:lnTo>
+                  <a:pt x="120000" y="120000"/>
+                </a:lnTo>
+                <a:lnTo>
+                  <a:pt x="0" y="120000"/>
+                </a:lnTo>
+                <a:close/>
+              </a:path>
+            </a:pathLst>
+          </a:custGeom>
+        </p:spPr>
+      </p:sp>
+      <p:sp>
+        <p:nvSpPr>
+          <p:cNvPr id="200" name="Shape 200"/>
+          <p:cNvSpPr txBox="1"/>
+          <p:nvPr>
+            <p:ph idx="1" type="body"/>
+          </p:nvPr>
+        </p:nvSpPr>
+        <p:spPr>
+          <a:xfrm>
+            <a:off x="685800" y="4343400"/>
+            <a:ext cx="5486400" cy="4114800"/>
+          </a:xfrm>
+          <a:prstGeom prst="rect">
+            <a:avLst/>
+          </a:prstGeom>
+        </p:spPr>
+        <p:txBody>
+          <a:bodyPr anchorCtr="0" anchor="t" bIns="91425" lIns="91425" spcFirstLastPara="1" rIns="91425" wrap="square" tIns="91425">
+            <a:noAutofit/>
+          </a:bodyPr>
+          <a:lstStyle/>
+          <a:p>
+            <a:pPr indent="0" lvl="0" marL="0">
+              <a:spcBef>
+                <a:spcPts val="0"/>
+              </a:spcBef>
+              <a:spcAft>
+                <a:spcPts val="0"/>
+              </a:spcAft>
+              <a:buNone/>
+            </a:pPr>
+            <a:r>
+              <a:t/>
+            </a:r>
+            <a:endParaRPr/>
+          </a:p>
+        </p:txBody>
+      </p:sp>
+    </p:spTree>
+  </p:cSld>
+  <p:clrMapOvr>
+    <a:masterClrMapping/>
+  </p:clrMapOvr>
+</p:notes>
+</file>
+
+<file path=ppt/notesSlides/notesSlide11.xml><?xml version="1.0" encoding="utf-8"?>
+<p:notes xmlns:a="http://schemas.openxmlformats.org/drawingml/2006/main" xmlns:r="http://schemas.openxmlformats.org/officeDocument/2006/relationships" xmlns:mc="http://schemas.openxmlformats.org/markup-compatibility/2006" xmlns:mv="urn:schemas-microsoft-com:mac:vml" xmlns:p="http://schemas.openxmlformats.org/presentationml/2006/main" xmlns:c="http://schemas.openxmlformats.org/drawingml/2006/chart" xmlns:dgm="http://schemas.openxmlformats.org/drawingml/2006/diagram" xmlns:o="urn:schemas-microsoft-com:office:office" xmlns:v="urn:schemas-microsoft-com:vml" xmlns:pvml="urn:schemas-microsoft-com:office:powerpoint" xmlns:com="http://schemas.openxmlformats.org/drawingml/2006/compatibility" xmlns:p14="http://schemas.microsoft.com/office/powerpoint/2010/main" xmlns:p15="http://schemas.microsoft.com/office/powerpoint/2012/main" showMasterPhAnim="0" showMasterSp="0">
+  <p:cSld>
+    <p:spTree>
+      <p:nvGrpSpPr>
+        <p:cNvPr id="206" name="Shape 206"/>
+        <p:cNvGrpSpPr/>
+        <p:nvPr/>
+      </p:nvGrpSpPr>
+      <p:grpSpPr>
+        <a:xfrm>
+          <a:off x="0" y="0"/>
+          <a:ext cx="0" cy="0"/>
+          <a:chOff x="0" y="0"/>
+          <a:chExt cx="0" cy="0"/>
+        </a:xfrm>
+      </p:grpSpPr>
+      <p:sp>
+        <p:nvSpPr>
+          <p:cNvPr id="207" name="Shape 207"/>
           <p:cNvSpPr/>
           <p:nvPr>
             <p:ph idx="2" type="sldImg"/>
@@ -636,7 +736,7 @@
       </p:sp>
       <p:sp>
         <p:nvSpPr>
-          <p:cNvPr id="198" name="Shape 198"/>
+          <p:cNvPr id="208" name="Shape 208"/>
           <p:cNvSpPr txBox="1"/>
           <p:nvPr>
             <p:ph idx="1" type="body"/>
@@ -676,6 +776,104 @@
               <a:t/>
             </a:r>
             <a:endParaRPr b="0" i="0" sz="1100" u="none" cap="none" strike="noStrike"/>
+          </a:p>
+        </p:txBody>
+      </p:sp>
+    </p:spTree>
+  </p:cSld>
+  <p:clrMapOvr>
+    <a:masterClrMapping/>
+  </p:clrMapOvr>
+</p:notes>
+</file>
+
+<file path=ppt/notesSlides/notesSlide12.xml><?xml version="1.0" encoding="utf-8"?>
+<p:notes xmlns:a="http://schemas.openxmlformats.org/drawingml/2006/main" xmlns:r="http://schemas.openxmlformats.org/officeDocument/2006/relationships" xmlns:mc="http://schemas.openxmlformats.org/markup-compatibility/2006" xmlns:mv="urn:schemas-microsoft-com:mac:vml" xmlns:p="http://schemas.openxmlformats.org/presentationml/2006/main" xmlns:c="http://schemas.openxmlformats.org/drawingml/2006/chart" xmlns:dgm="http://schemas.openxmlformats.org/drawingml/2006/diagram" xmlns:o="urn:schemas-microsoft-com:office:office" xmlns:v="urn:schemas-microsoft-com:vml" xmlns:pvml="urn:schemas-microsoft-com:office:powerpoint" xmlns:com="http://schemas.openxmlformats.org/drawingml/2006/compatibility" xmlns:p14="http://schemas.microsoft.com/office/powerpoint/2010/main" xmlns:p15="http://schemas.microsoft.com/office/powerpoint/2012/main" showMasterPhAnim="0" showMasterSp="0">
+  <p:cSld>
+    <p:spTree>
+      <p:nvGrpSpPr>
+        <p:cNvPr id="214" name="Shape 214"/>
+        <p:cNvGrpSpPr/>
+        <p:nvPr/>
+      </p:nvGrpSpPr>
+      <p:grpSpPr>
+        <a:xfrm>
+          <a:off x="0" y="0"/>
+          <a:ext cx="0" cy="0"/>
+          <a:chOff x="0" y="0"/>
+          <a:chExt cx="0" cy="0"/>
+        </a:xfrm>
+      </p:grpSpPr>
+      <p:sp>
+        <p:nvSpPr>
+          <p:cNvPr id="215" name="Shape 215"/>
+          <p:cNvSpPr/>
+          <p:nvPr>
+            <p:ph idx="2" type="sldImg"/>
+          </p:nvPr>
+        </p:nvSpPr>
+        <p:spPr>
+          <a:xfrm>
+            <a:off x="381300" y="685800"/>
+            <a:ext cx="6096000" cy="3429000"/>
+          </a:xfrm>
+          <a:custGeom>
+            <a:pathLst>
+              <a:path extrusionOk="0" h="120000" w="120000">
+                <a:moveTo>
+                  <a:pt x="0" y="0"/>
+                </a:moveTo>
+                <a:lnTo>
+                  <a:pt x="120000" y="0"/>
+                </a:lnTo>
+                <a:lnTo>
+                  <a:pt x="120000" y="120000"/>
+                </a:lnTo>
+                <a:lnTo>
+                  <a:pt x="0" y="120000"/>
+                </a:lnTo>
+                <a:close/>
+              </a:path>
+            </a:pathLst>
+          </a:custGeom>
+        </p:spPr>
+      </p:sp>
+      <p:sp>
+        <p:nvSpPr>
+          <p:cNvPr id="216" name="Shape 216"/>
+          <p:cNvSpPr txBox="1"/>
+          <p:nvPr>
+            <p:ph idx="1" type="body"/>
+          </p:nvPr>
+        </p:nvSpPr>
+        <p:spPr>
+          <a:xfrm>
+            <a:off x="685800" y="4343400"/>
+            <a:ext cx="5486400" cy="4114800"/>
+          </a:xfrm>
+          <a:prstGeom prst="rect">
+            <a:avLst/>
+          </a:prstGeom>
+        </p:spPr>
+        <p:txBody>
+          <a:bodyPr anchorCtr="0" anchor="t" bIns="91425" lIns="91425" spcFirstLastPara="1" rIns="91425" wrap="square" tIns="91425">
+            <a:noAutofit/>
+          </a:bodyPr>
+          <a:lstStyle/>
+          <a:p>
+            <a:pPr indent="0" lvl="0" marL="0">
+              <a:spcBef>
+                <a:spcPts val="0"/>
+              </a:spcBef>
+              <a:spcAft>
+                <a:spcPts val="0"/>
+              </a:spcAft>
+              <a:buNone/>
+            </a:pPr>
+            <a:r>
+              <a:t/>
+            </a:r>
+            <a:endParaRPr/>
           </a:p>
         </p:txBody>
       </p:sp>
@@ -1132,7 +1330,7 @@
   <p:cSld>
     <p:spTree>
       <p:nvGrpSpPr>
-        <p:cNvPr id="164" name="Shape 164"/>
+        <p:cNvPr id="166" name="Shape 166"/>
         <p:cNvGrpSpPr/>
         <p:nvPr/>
       </p:nvGrpSpPr>
@@ -1146,7 +1344,7 @@
       </p:grpSpPr>
       <p:sp>
         <p:nvSpPr>
-          <p:cNvPr id="165" name="Shape 165"/>
+          <p:cNvPr id="167" name="Shape 167"/>
           <p:cNvSpPr/>
           <p:nvPr>
             <p:ph idx="2" type="sldImg"/>
@@ -1180,7 +1378,7 @@
       </p:sp>
       <p:sp>
         <p:nvSpPr>
-          <p:cNvPr id="166" name="Shape 166"/>
+          <p:cNvPr id="168" name="Shape 168"/>
           <p:cNvSpPr txBox="1"/>
           <p:nvPr>
             <p:ph idx="1" type="body"/>
@@ -1230,7 +1428,7 @@
   <p:cSld>
     <p:spTree>
       <p:nvGrpSpPr>
-        <p:cNvPr id="172" name="Shape 172"/>
+        <p:cNvPr id="174" name="Shape 174"/>
         <p:cNvGrpSpPr/>
         <p:nvPr/>
       </p:nvGrpSpPr>
@@ -1244,7 +1442,7 @@
       </p:grpSpPr>
       <p:sp>
         <p:nvSpPr>
-          <p:cNvPr id="173" name="Shape 173"/>
+          <p:cNvPr id="175" name="Shape 175"/>
           <p:cNvSpPr/>
           <p:nvPr>
             <p:ph idx="2" type="sldImg"/>
@@ -1288,7 +1486,7 @@
       </p:sp>
       <p:sp>
         <p:nvSpPr>
-          <p:cNvPr id="174" name="Shape 174"/>
+          <p:cNvPr id="176" name="Shape 176"/>
           <p:cNvSpPr txBox="1"/>
           <p:nvPr>
             <p:ph idx="1" type="body"/>
@@ -1344,7 +1542,7 @@
   <p:cSld>
     <p:spTree>
       <p:nvGrpSpPr>
-        <p:cNvPr id="180" name="Shape 180"/>
+        <p:cNvPr id="182" name="Shape 182"/>
         <p:cNvGrpSpPr/>
         <p:nvPr/>
       </p:nvGrpSpPr>
@@ -1358,7 +1556,7 @@
       </p:grpSpPr>
       <p:sp>
         <p:nvSpPr>
-          <p:cNvPr id="181" name="Shape 181"/>
+          <p:cNvPr id="183" name="Shape 183"/>
           <p:cNvSpPr/>
           <p:nvPr>
             <p:ph idx="2" type="sldImg"/>
@@ -1402,7 +1600,7 @@
       </p:sp>
       <p:sp>
         <p:nvSpPr>
-          <p:cNvPr id="182" name="Shape 182"/>
+          <p:cNvPr id="184" name="Shape 184"/>
           <p:cNvSpPr txBox="1"/>
           <p:nvPr>
             <p:ph idx="1" type="body"/>
@@ -1458,7 +1656,7 @@
   <p:cSld>
     <p:spTree>
       <p:nvGrpSpPr>
-        <p:cNvPr id="188" name="Shape 188"/>
+        <p:cNvPr id="190" name="Shape 190"/>
         <p:cNvGrpSpPr/>
         <p:nvPr/>
       </p:nvGrpSpPr>
@@ -1472,7 +1670,7 @@
       </p:grpSpPr>
       <p:sp>
         <p:nvSpPr>
-          <p:cNvPr id="189" name="Shape 189"/>
+          <p:cNvPr id="191" name="Shape 191"/>
           <p:cNvSpPr/>
           <p:nvPr>
             <p:ph idx="2" type="sldImg"/>
@@ -1516,7 +1714,7 @@
       </p:sp>
       <p:sp>
         <p:nvSpPr>
-          <p:cNvPr id="190" name="Shape 190"/>
+          <p:cNvPr id="192" name="Shape 192"/>
           <p:cNvSpPr txBox="1"/>
           <p:nvPr>
             <p:ph idx="1" type="body"/>
@@ -15470,7 +15668,7 @@
   <p:cSld>
     <p:spTree>
       <p:nvGrpSpPr>
-        <p:cNvPr id="199" name="Shape 199"/>
+        <p:cNvPr id="201" name="Shape 201"/>
         <p:cNvGrpSpPr/>
         <p:nvPr/>
       </p:nvGrpSpPr>
@@ -15484,7 +15682,352 @@
       </p:grpSpPr>
       <p:sp>
         <p:nvSpPr>
-          <p:cNvPr id="200" name="Shape 200"/>
+          <p:cNvPr id="202" name="Shape 202"/>
+          <p:cNvSpPr txBox="1"/>
+          <p:nvPr>
+            <p:ph type="title"/>
+          </p:nvPr>
+        </p:nvSpPr>
+        <p:spPr>
+          <a:xfrm>
+            <a:off x="1297500" y="393750"/>
+            <a:ext cx="7038900" cy="914100"/>
+          </a:xfrm>
+          <a:prstGeom prst="rect">
+            <a:avLst/>
+          </a:prstGeom>
+        </p:spPr>
+        <p:txBody>
+          <a:bodyPr anchorCtr="0" anchor="t" bIns="91425" lIns="91425" spcFirstLastPara="1" rIns="91425" wrap="square" tIns="91425">
+            <a:noAutofit/>
+          </a:bodyPr>
+          <a:lstStyle/>
+          <a:p>
+            <a:pPr indent="0" lvl="0" marL="0">
+              <a:spcBef>
+                <a:spcPts val="0"/>
+              </a:spcBef>
+              <a:spcAft>
+                <a:spcPts val="0"/>
+              </a:spcAft>
+              <a:buNone/>
+            </a:pPr>
+            <a:r>
+              <a:rPr lang="en" sz="3600">
+                <a:latin typeface="Arial"/>
+                <a:ea typeface="Arial"/>
+                <a:cs typeface="Arial"/>
+                <a:sym typeface="Arial"/>
+              </a:rPr>
+              <a:t>Execution</a:t>
+            </a:r>
+            <a:endParaRPr sz="3600">
+              <a:latin typeface="Arial"/>
+              <a:ea typeface="Arial"/>
+              <a:cs typeface="Arial"/>
+              <a:sym typeface="Arial"/>
+            </a:endParaRPr>
+          </a:p>
+        </p:txBody>
+      </p:sp>
+      <p:sp>
+        <p:nvSpPr>
+          <p:cNvPr id="203" name="Shape 203"/>
+          <p:cNvSpPr txBox="1"/>
+          <p:nvPr>
+            <p:ph idx="1" type="body"/>
+          </p:nvPr>
+        </p:nvSpPr>
+        <p:spPr>
+          <a:xfrm>
+            <a:off x="1297500" y="1567550"/>
+            <a:ext cx="7038900" cy="2911200"/>
+          </a:xfrm>
+          <a:prstGeom prst="rect">
+            <a:avLst/>
+          </a:prstGeom>
+        </p:spPr>
+        <p:txBody>
+          <a:bodyPr anchorCtr="0" anchor="t" bIns="91425" lIns="91425" spcFirstLastPara="1" rIns="91425" wrap="square" tIns="91425">
+            <a:noAutofit/>
+          </a:bodyPr>
+          <a:lstStyle/>
+          <a:p>
+            <a:pPr indent="-368300" lvl="0" marL="457200" rtl="0">
+              <a:spcBef>
+                <a:spcPts val="0"/>
+              </a:spcBef>
+              <a:spcAft>
+                <a:spcPts val="0"/>
+              </a:spcAft>
+              <a:buSzPts val="2200"/>
+              <a:buFont typeface="Alegreya"/>
+              <a:buChar char="●"/>
+            </a:pPr>
+            <a:r>
+              <a:rPr lang="en" sz="2200">
+                <a:latin typeface="Alegreya"/>
+                <a:ea typeface="Alegreya"/>
+                <a:cs typeface="Alegreya"/>
+                <a:sym typeface="Alegreya"/>
+              </a:rPr>
+              <a:t>No use of pre-built APIs</a:t>
+            </a:r>
+            <a:endParaRPr sz="2200">
+              <a:latin typeface="Alegreya"/>
+              <a:ea typeface="Alegreya"/>
+              <a:cs typeface="Alegreya"/>
+              <a:sym typeface="Alegreya"/>
+            </a:endParaRPr>
+          </a:p>
+          <a:p>
+            <a:pPr indent="-368300" lvl="0" marL="457200" rtl="0">
+              <a:spcBef>
+                <a:spcPts val="0"/>
+              </a:spcBef>
+              <a:spcAft>
+                <a:spcPts val="0"/>
+              </a:spcAft>
+              <a:buSzPts val="2200"/>
+              <a:buFont typeface="Alegreya"/>
+              <a:buChar char="●"/>
+            </a:pPr>
+            <a:r>
+              <a:rPr lang="en" sz="2200">
+                <a:latin typeface="Alegreya"/>
+                <a:ea typeface="Alegreya"/>
+                <a:cs typeface="Alegreya"/>
+                <a:sym typeface="Alegreya"/>
+              </a:rPr>
+              <a:t>We scraped the data since we could not find any previous data.</a:t>
+            </a:r>
+            <a:endParaRPr sz="2200">
+              <a:latin typeface="Alegreya"/>
+              <a:ea typeface="Alegreya"/>
+              <a:cs typeface="Alegreya"/>
+              <a:sym typeface="Alegreya"/>
+            </a:endParaRPr>
+          </a:p>
+          <a:p>
+            <a:pPr indent="-368300" lvl="0" marL="457200" rtl="0">
+              <a:spcBef>
+                <a:spcPts val="0"/>
+              </a:spcBef>
+              <a:spcAft>
+                <a:spcPts val="0"/>
+              </a:spcAft>
+              <a:buSzPts val="2200"/>
+              <a:buFont typeface="Alegreya"/>
+              <a:buChar char="●"/>
+            </a:pPr>
+            <a:r>
+              <a:rPr lang="en" sz="2200">
+                <a:latin typeface="Alegreya"/>
+                <a:ea typeface="Alegreya"/>
+                <a:cs typeface="Alegreya"/>
+                <a:sym typeface="Alegreya"/>
+              </a:rPr>
+              <a:t>Built our own REST API using Node.js</a:t>
+            </a:r>
+            <a:endParaRPr sz="2200">
+              <a:latin typeface="Alegreya"/>
+              <a:ea typeface="Alegreya"/>
+              <a:cs typeface="Alegreya"/>
+              <a:sym typeface="Alegreya"/>
+            </a:endParaRPr>
+          </a:p>
+          <a:p>
+            <a:pPr indent="-368300" lvl="0" marL="457200" rtl="0">
+              <a:spcBef>
+                <a:spcPts val="0"/>
+              </a:spcBef>
+              <a:spcAft>
+                <a:spcPts val="0"/>
+              </a:spcAft>
+              <a:buSzPts val="2200"/>
+              <a:buFont typeface="Alegreya"/>
+              <a:buChar char="●"/>
+            </a:pPr>
+            <a:r>
+              <a:rPr lang="en" sz="2200">
+                <a:latin typeface="Alegreya"/>
+                <a:ea typeface="Alegreya"/>
+                <a:cs typeface="Alegreya"/>
+                <a:sym typeface="Alegreya"/>
+              </a:rPr>
+              <a:t>Mobile App for the patient using Ionic 2</a:t>
+            </a:r>
+            <a:endParaRPr sz="2200">
+              <a:latin typeface="Alegreya"/>
+              <a:ea typeface="Alegreya"/>
+              <a:cs typeface="Alegreya"/>
+              <a:sym typeface="Alegreya"/>
+            </a:endParaRPr>
+          </a:p>
+          <a:p>
+            <a:pPr indent="-368300" lvl="0" marL="457200" rtl="0">
+              <a:spcBef>
+                <a:spcPts val="0"/>
+              </a:spcBef>
+              <a:spcAft>
+                <a:spcPts val="0"/>
+              </a:spcAft>
+              <a:buSzPts val="2200"/>
+              <a:buFont typeface="Alegreya"/>
+              <a:buChar char="●"/>
+            </a:pPr>
+            <a:r>
+              <a:rPr lang="en" sz="2200">
+                <a:latin typeface="Alegreya"/>
+                <a:ea typeface="Alegreya"/>
+                <a:cs typeface="Alegreya"/>
+                <a:sym typeface="Alegreya"/>
+              </a:rPr>
+              <a:t>Web App of doctor’s dashboard using Angular 2</a:t>
+            </a:r>
+            <a:endParaRPr sz="2200">
+              <a:latin typeface="Alegreya"/>
+              <a:ea typeface="Alegreya"/>
+              <a:cs typeface="Alegreya"/>
+              <a:sym typeface="Alegreya"/>
+            </a:endParaRPr>
+          </a:p>
+          <a:p>
+            <a:pPr indent="-368300" lvl="0" marL="457200">
+              <a:spcBef>
+                <a:spcPts val="0"/>
+              </a:spcBef>
+              <a:spcAft>
+                <a:spcPts val="0"/>
+              </a:spcAft>
+              <a:buSzPts val="2200"/>
+              <a:buFont typeface="Alegreya"/>
+              <a:buChar char="●"/>
+            </a:pPr>
+            <a:r>
+              <a:rPr lang="en" sz="2200">
+                <a:latin typeface="Alegreya"/>
+                <a:ea typeface="Alegreya"/>
+                <a:cs typeface="Alegreya"/>
+                <a:sym typeface="Alegreya"/>
+              </a:rPr>
+              <a:t>Integrated Backend and the Frontend.</a:t>
+            </a:r>
+            <a:endParaRPr sz="2200">
+              <a:latin typeface="Alegreya"/>
+              <a:ea typeface="Alegreya"/>
+              <a:cs typeface="Alegreya"/>
+              <a:sym typeface="Alegreya"/>
+            </a:endParaRPr>
+          </a:p>
+        </p:txBody>
+      </p:sp>
+      <p:pic>
+        <p:nvPicPr>
+          <p:cNvPr id="204" name="Shape 204"/>
+          <p:cNvPicPr preferRelativeResize="0"/>
+          <p:nvPr/>
+        </p:nvPicPr>
+        <p:blipFill>
+          <a:blip r:embed="rId3">
+            <a:alphaModFix/>
+          </a:blip>
+          <a:stretch>
+            <a:fillRect/>
+          </a:stretch>
+        </p:blipFill>
+        <p:spPr>
+          <a:xfrm>
+            <a:off x="7584751" y="3906900"/>
+            <a:ext cx="751650" cy="744500"/>
+          </a:xfrm>
+          <a:prstGeom prst="rect">
+            <a:avLst/>
+          </a:prstGeom>
+          <a:noFill/>
+          <a:ln>
+            <a:noFill/>
+          </a:ln>
+        </p:spPr>
+      </p:pic>
+      <p:sp>
+        <p:nvSpPr>
+          <p:cNvPr id="205" name="Shape 205"/>
+          <p:cNvSpPr txBox="1"/>
+          <p:nvPr/>
+        </p:nvSpPr>
+        <p:spPr>
+          <a:xfrm>
+            <a:off x="7083525" y="3517075"/>
+            <a:ext cx="1754100" cy="335700"/>
+          </a:xfrm>
+          <a:prstGeom prst="rect">
+            <a:avLst/>
+          </a:prstGeom>
+          <a:noFill/>
+          <a:ln>
+            <a:noFill/>
+          </a:ln>
+        </p:spPr>
+        <p:txBody>
+          <a:bodyPr anchorCtr="0" anchor="t" bIns="91425" lIns="91425" spcFirstLastPara="1" rIns="91425" wrap="square" tIns="91425">
+            <a:noAutofit/>
+          </a:bodyPr>
+          <a:lstStyle/>
+          <a:p>
+            <a:pPr indent="0" lvl="0" marL="0" rtl="0" algn="ctr">
+              <a:spcBef>
+                <a:spcPts val="0"/>
+              </a:spcBef>
+              <a:spcAft>
+                <a:spcPts val="0"/>
+              </a:spcAft>
+              <a:buNone/>
+            </a:pPr>
+            <a:r>
+              <a:rPr lang="en">
+                <a:solidFill>
+                  <a:schemeClr val="lt1"/>
+                </a:solidFill>
+              </a:rPr>
+              <a:t>Hashslash</a:t>
+            </a:r>
+            <a:endParaRPr>
+              <a:solidFill>
+                <a:schemeClr val="lt1"/>
+              </a:solidFill>
+            </a:endParaRPr>
+          </a:p>
+        </p:txBody>
+      </p:sp>
+    </p:spTree>
+  </p:cSld>
+  <p:clrMapOvr>
+    <a:masterClrMapping/>
+  </p:clrMapOvr>
+</p:sld>
+</file>
+
+<file path=ppt/slides/slide11.xml><?xml version="1.0" encoding="utf-8"?>
+<p:sld xmlns:a="http://schemas.openxmlformats.org/drawingml/2006/main" xmlns:r="http://schemas.openxmlformats.org/officeDocument/2006/relationships" xmlns:mc="http://schemas.openxmlformats.org/markup-compatibility/2006" xmlns:mv="urn:schemas-microsoft-com:mac:vml" xmlns:p="http://schemas.openxmlformats.org/presentationml/2006/main" xmlns:c="http://schemas.openxmlformats.org/drawingml/2006/chart" xmlns:dgm="http://schemas.openxmlformats.org/drawingml/2006/diagram" xmlns:o="urn:schemas-microsoft-com:office:office" xmlns:v="urn:schemas-microsoft-com:vml" xmlns:pvml="urn:schemas-microsoft-com:office:powerpoint" xmlns:com="http://schemas.openxmlformats.org/drawingml/2006/compatibility" xmlns:p14="http://schemas.microsoft.com/office/powerpoint/2010/main" xmlns:p15="http://schemas.microsoft.com/office/powerpoint/2012/main">
+  <p:cSld>
+    <p:spTree>
+      <p:nvGrpSpPr>
+        <p:cNvPr id="209" name="Shape 209"/>
+        <p:cNvGrpSpPr/>
+        <p:nvPr/>
+      </p:nvGrpSpPr>
+      <p:grpSpPr>
+        <a:xfrm>
+          <a:off x="0" y="0"/>
+          <a:ext cx="0" cy="0"/>
+          <a:chOff x="0" y="0"/>
+          <a:chExt cx="0" cy="0"/>
+        </a:xfrm>
+      </p:grpSpPr>
+      <p:sp>
+        <p:nvSpPr>
+          <p:cNvPr id="210" name="Shape 210"/>
           <p:cNvSpPr txBox="1"/>
           <p:nvPr>
             <p:ph type="title"/>
@@ -15552,7 +16095,7 @@
       </p:sp>
       <p:sp>
         <p:nvSpPr>
-          <p:cNvPr id="201" name="Shape 201"/>
+          <p:cNvPr id="211" name="Shape 211"/>
           <p:cNvSpPr txBox="1"/>
           <p:nvPr>
             <p:ph idx="1" type="body"/>
@@ -15650,7 +16193,7 @@
       </p:sp>
       <p:pic>
         <p:nvPicPr>
-          <p:cNvPr id="202" name="Shape 202"/>
+          <p:cNvPr id="212" name="Shape 212"/>
           <p:cNvPicPr preferRelativeResize="0"/>
           <p:nvPr/>
         </p:nvPicPr>
@@ -15678,7 +16221,160 @@
       </p:pic>
       <p:sp>
         <p:nvSpPr>
-          <p:cNvPr id="203" name="Shape 203"/>
+          <p:cNvPr id="213" name="Shape 213"/>
+          <p:cNvSpPr txBox="1"/>
+          <p:nvPr/>
+        </p:nvSpPr>
+        <p:spPr>
+          <a:xfrm>
+            <a:off x="7083525" y="3517075"/>
+            <a:ext cx="1754100" cy="335700"/>
+          </a:xfrm>
+          <a:prstGeom prst="rect">
+            <a:avLst/>
+          </a:prstGeom>
+          <a:noFill/>
+          <a:ln>
+            <a:noFill/>
+          </a:ln>
+        </p:spPr>
+        <p:txBody>
+          <a:bodyPr anchorCtr="0" anchor="t" bIns="91425" lIns="91425" spcFirstLastPara="1" rIns="91425" wrap="square" tIns="91425">
+            <a:noAutofit/>
+          </a:bodyPr>
+          <a:lstStyle/>
+          <a:p>
+            <a:pPr indent="0" lvl="0" marL="0" rtl="0" algn="ctr">
+              <a:spcBef>
+                <a:spcPts val="0"/>
+              </a:spcBef>
+              <a:spcAft>
+                <a:spcPts val="0"/>
+              </a:spcAft>
+              <a:buNone/>
+            </a:pPr>
+            <a:r>
+              <a:rPr lang="en">
+                <a:solidFill>
+                  <a:schemeClr val="lt1"/>
+                </a:solidFill>
+              </a:rPr>
+              <a:t>Hashslash</a:t>
+            </a:r>
+            <a:endParaRPr>
+              <a:solidFill>
+                <a:schemeClr val="lt1"/>
+              </a:solidFill>
+            </a:endParaRPr>
+          </a:p>
+        </p:txBody>
+      </p:sp>
+    </p:spTree>
+  </p:cSld>
+  <p:clrMapOvr>
+    <a:masterClrMapping/>
+  </p:clrMapOvr>
+</p:sld>
+</file>
+
+<file path=ppt/slides/slide12.xml><?xml version="1.0" encoding="utf-8"?>
+<p:sld xmlns:a="http://schemas.openxmlformats.org/drawingml/2006/main" xmlns:r="http://schemas.openxmlformats.org/officeDocument/2006/relationships" xmlns:mc="http://schemas.openxmlformats.org/markup-compatibility/2006" xmlns:mv="urn:schemas-microsoft-com:mac:vml" xmlns:p="http://schemas.openxmlformats.org/presentationml/2006/main" xmlns:c="http://schemas.openxmlformats.org/drawingml/2006/chart" xmlns:dgm="http://schemas.openxmlformats.org/drawingml/2006/diagram" xmlns:o="urn:schemas-microsoft-com:office:office" xmlns:v="urn:schemas-microsoft-com:vml" xmlns:pvml="urn:schemas-microsoft-com:office:powerpoint" xmlns:com="http://schemas.openxmlformats.org/drawingml/2006/compatibility" xmlns:p14="http://schemas.microsoft.com/office/powerpoint/2010/main" xmlns:p15="http://schemas.microsoft.com/office/powerpoint/2012/main">
+  <p:cSld>
+    <p:spTree>
+      <p:nvGrpSpPr>
+        <p:cNvPr id="217" name="Shape 217"/>
+        <p:cNvGrpSpPr/>
+        <p:nvPr/>
+      </p:nvGrpSpPr>
+      <p:grpSpPr>
+        <a:xfrm>
+          <a:off x="0" y="0"/>
+          <a:ext cx="0" cy="0"/>
+          <a:chOff x="0" y="0"/>
+          <a:chExt cx="0" cy="0"/>
+        </a:xfrm>
+      </p:grpSpPr>
+      <p:sp>
+        <p:nvSpPr>
+          <p:cNvPr id="218" name="Shape 218"/>
+          <p:cNvSpPr txBox="1"/>
+          <p:nvPr>
+            <p:ph type="title"/>
+          </p:nvPr>
+        </p:nvSpPr>
+        <p:spPr>
+          <a:xfrm>
+            <a:off x="1275750" y="1731275"/>
+            <a:ext cx="7038900" cy="914100"/>
+          </a:xfrm>
+          <a:prstGeom prst="rect">
+            <a:avLst/>
+          </a:prstGeom>
+        </p:spPr>
+        <p:txBody>
+          <a:bodyPr anchorCtr="0" anchor="t" bIns="91425" lIns="91425" spcFirstLastPara="1" rIns="91425" wrap="square" tIns="91425">
+            <a:noAutofit/>
+          </a:bodyPr>
+          <a:lstStyle/>
+          <a:p>
+            <a:pPr indent="0" lvl="0" marL="0" algn="ctr">
+              <a:spcBef>
+                <a:spcPts val="0"/>
+              </a:spcBef>
+              <a:spcAft>
+                <a:spcPts val="0"/>
+              </a:spcAft>
+              <a:buNone/>
+            </a:pPr>
+            <a:r>
+              <a:rPr lang="en" sz="4800">
+                <a:latin typeface="Alegreya"/>
+                <a:ea typeface="Alegreya"/>
+                <a:cs typeface="Alegreya"/>
+                <a:sym typeface="Alegreya"/>
+              </a:rPr>
+              <a:t>Thank You</a:t>
+            </a:r>
+            <a:endParaRPr sz="4800">
+              <a:latin typeface="Alegreya"/>
+              <a:ea typeface="Alegreya"/>
+              <a:cs typeface="Alegreya"/>
+              <a:sym typeface="Alegreya"/>
+            </a:endParaRPr>
+          </a:p>
+        </p:txBody>
+      </p:sp>
+      <p:pic>
+        <p:nvPicPr>
+          <p:cNvPr id="219" name="Shape 219"/>
+          <p:cNvPicPr preferRelativeResize="0"/>
+          <p:nvPr/>
+        </p:nvPicPr>
+        <p:blipFill>
+          <a:blip r:embed="rId3">
+            <a:alphaModFix/>
+          </a:blip>
+          <a:stretch>
+            <a:fillRect/>
+          </a:stretch>
+        </p:blipFill>
+        <p:spPr>
+          <a:xfrm>
+            <a:off x="7584751" y="3906900"/>
+            <a:ext cx="751650" cy="744500"/>
+          </a:xfrm>
+          <a:prstGeom prst="rect">
+            <a:avLst/>
+          </a:prstGeom>
+          <a:noFill/>
+          <a:ln>
+            <a:noFill/>
+          </a:ln>
+        </p:spPr>
+      </p:pic>
+      <p:sp>
+        <p:nvSpPr>
+          <p:cNvPr id="220" name="Shape 220"/>
           <p:cNvSpPr txBox="1"/>
           <p:nvPr/>
         </p:nvSpPr>
@@ -16893,6 +17589,84 @@
           </a:p>
         </p:txBody>
       </p:sp>
+      <p:pic>
+        <p:nvPicPr>
+          <p:cNvPr id="164" name="Shape 164"/>
+          <p:cNvPicPr preferRelativeResize="0"/>
+          <p:nvPr/>
+        </p:nvPicPr>
+        <p:blipFill>
+          <a:blip r:embed="rId3">
+            <a:alphaModFix/>
+          </a:blip>
+          <a:stretch>
+            <a:fillRect/>
+          </a:stretch>
+        </p:blipFill>
+        <p:spPr>
+          <a:xfrm>
+            <a:off x="7584751" y="3906900"/>
+            <a:ext cx="751650" cy="744500"/>
+          </a:xfrm>
+          <a:prstGeom prst="rect">
+            <a:avLst/>
+          </a:prstGeom>
+          <a:noFill/>
+          <a:ln>
+            <a:noFill/>
+          </a:ln>
+        </p:spPr>
+      </p:pic>
+      <p:sp>
+        <p:nvSpPr>
+          <p:cNvPr id="165" name="Shape 165"/>
+          <p:cNvSpPr txBox="1"/>
+          <p:nvPr/>
+        </p:nvSpPr>
+        <p:spPr>
+          <a:xfrm>
+            <a:off x="7083525" y="3517075"/>
+            <a:ext cx="1754100" cy="335700"/>
+          </a:xfrm>
+          <a:prstGeom prst="rect">
+            <a:avLst/>
+          </a:prstGeom>
+          <a:noFill/>
+          <a:ln>
+            <a:noFill/>
+          </a:ln>
+        </p:spPr>
+        <p:txBody>
+          <a:bodyPr anchorCtr="0" anchor="t" bIns="91425" lIns="91425" spcFirstLastPara="1" rIns="91425" wrap="square" tIns="91425">
+            <a:noAutofit/>
+          </a:bodyPr>
+          <a:lstStyle/>
+          <a:p>
+            <a:pPr indent="0" lvl="0" marL="0" rtl="0" algn="ctr">
+              <a:spcBef>
+                <a:spcPts val="0"/>
+              </a:spcBef>
+              <a:spcAft>
+                <a:spcPts val="0"/>
+              </a:spcAft>
+              <a:buNone/>
+            </a:pPr>
+            <a:r>
+              <a:rPr lang="en">
+                <a:solidFill>
+                  <a:schemeClr val="lt1"/>
+                </a:solidFill>
+              </a:rPr>
+              <a:t>Hashslash</a:t>
+            </a:r>
+            <a:endParaRPr>
+              <a:solidFill>
+                <a:schemeClr val="lt1"/>
+              </a:solidFill>
+            </a:endParaRPr>
+          </a:p>
+        </p:txBody>
+      </p:sp>
     </p:spTree>
   </p:cSld>
   <p:clrMapOvr>
@@ -16906,7 +17680,7 @@
   <p:cSld>
     <p:spTree>
       <p:nvGrpSpPr>
-        <p:cNvPr id="167" name="Shape 167"/>
+        <p:cNvPr id="169" name="Shape 169"/>
         <p:cNvGrpSpPr/>
         <p:nvPr/>
       </p:nvGrpSpPr>
@@ -16920,7 +17694,7 @@
       </p:grpSpPr>
       <p:sp>
         <p:nvSpPr>
-          <p:cNvPr id="168" name="Shape 168"/>
+          <p:cNvPr id="170" name="Shape 170"/>
           <p:cNvSpPr txBox="1"/>
           <p:nvPr>
             <p:ph type="title"/>
@@ -16970,7 +17744,7 @@
       </p:sp>
       <p:sp>
         <p:nvSpPr>
-          <p:cNvPr id="169" name="Shape 169"/>
+          <p:cNvPr id="171" name="Shape 171"/>
           <p:cNvSpPr txBox="1"/>
           <p:nvPr>
             <p:ph idx="1" type="body"/>
@@ -17244,7 +18018,7 @@
       </p:sp>
       <p:pic>
         <p:nvPicPr>
-          <p:cNvPr id="170" name="Shape 170"/>
+          <p:cNvPr id="172" name="Shape 172"/>
           <p:cNvPicPr preferRelativeResize="0"/>
           <p:nvPr/>
         </p:nvPicPr>
@@ -17272,7 +18046,7 @@
       </p:pic>
       <p:sp>
         <p:nvSpPr>
-          <p:cNvPr id="171" name="Shape 171"/>
+          <p:cNvPr id="173" name="Shape 173"/>
           <p:cNvSpPr txBox="1"/>
           <p:nvPr/>
         </p:nvSpPr>
@@ -17333,7 +18107,7 @@
   <p:cSld>
     <p:spTree>
       <p:nvGrpSpPr>
-        <p:cNvPr id="175" name="Shape 175"/>
+        <p:cNvPr id="177" name="Shape 177"/>
         <p:cNvGrpSpPr/>
         <p:nvPr/>
       </p:nvGrpSpPr>
@@ -17347,7 +18121,7 @@
       </p:grpSpPr>
       <p:sp>
         <p:nvSpPr>
-          <p:cNvPr id="176" name="Shape 176"/>
+          <p:cNvPr id="178" name="Shape 178"/>
           <p:cNvSpPr txBox="1"/>
           <p:nvPr>
             <p:ph type="title"/>
@@ -17415,7 +18189,7 @@
       </p:sp>
       <p:sp>
         <p:nvSpPr>
-          <p:cNvPr id="177" name="Shape 177"/>
+          <p:cNvPr id="179" name="Shape 179"/>
           <p:cNvSpPr txBox="1"/>
           <p:nvPr>
             <p:ph idx="1" type="body"/>
@@ -17467,7 +18241,7 @@
       </p:sp>
       <p:pic>
         <p:nvPicPr>
-          <p:cNvPr id="178" name="Shape 178"/>
+          <p:cNvPr id="180" name="Shape 180"/>
           <p:cNvPicPr preferRelativeResize="0"/>
           <p:nvPr/>
         </p:nvPicPr>
@@ -17495,7 +18269,7 @@
       </p:pic>
       <p:sp>
         <p:nvSpPr>
-          <p:cNvPr id="179" name="Shape 179"/>
+          <p:cNvPr id="181" name="Shape 181"/>
           <p:cNvSpPr txBox="1"/>
           <p:nvPr/>
         </p:nvSpPr>
@@ -17556,7 +18330,7 @@
   <p:cSld>
     <p:spTree>
       <p:nvGrpSpPr>
-        <p:cNvPr id="183" name="Shape 183"/>
+        <p:cNvPr id="185" name="Shape 185"/>
         <p:cNvGrpSpPr/>
         <p:nvPr/>
       </p:nvGrpSpPr>
@@ -17570,7 +18344,7 @@
       </p:grpSpPr>
       <p:sp>
         <p:nvSpPr>
-          <p:cNvPr id="184" name="Shape 184"/>
+          <p:cNvPr id="186" name="Shape 186"/>
           <p:cNvSpPr txBox="1"/>
           <p:nvPr>
             <p:ph type="title"/>
@@ -17638,7 +18412,7 @@
       </p:sp>
       <p:sp>
         <p:nvSpPr>
-          <p:cNvPr id="185" name="Shape 185"/>
+          <p:cNvPr id="187" name="Shape 187"/>
           <p:cNvSpPr txBox="1"/>
           <p:nvPr>
             <p:ph idx="1" type="body"/>
@@ -17786,7 +18560,7 @@
       </p:sp>
       <p:pic>
         <p:nvPicPr>
-          <p:cNvPr id="186" name="Shape 186"/>
+          <p:cNvPr id="188" name="Shape 188"/>
           <p:cNvPicPr preferRelativeResize="0"/>
           <p:nvPr/>
         </p:nvPicPr>
@@ -17814,7 +18588,7 @@
       </p:pic>
       <p:sp>
         <p:nvSpPr>
-          <p:cNvPr id="187" name="Shape 187"/>
+          <p:cNvPr id="189" name="Shape 189"/>
           <p:cNvSpPr txBox="1"/>
           <p:nvPr/>
         </p:nvSpPr>
@@ -17875,7 +18649,7 @@
   <p:cSld>
     <p:spTree>
       <p:nvGrpSpPr>
-        <p:cNvPr id="191" name="Shape 191"/>
+        <p:cNvPr id="193" name="Shape 193"/>
         <p:cNvGrpSpPr/>
         <p:nvPr/>
       </p:nvGrpSpPr>
@@ -17889,7 +18663,7 @@
       </p:grpSpPr>
       <p:sp>
         <p:nvSpPr>
-          <p:cNvPr id="192" name="Shape 192"/>
+          <p:cNvPr id="194" name="Shape 194"/>
           <p:cNvSpPr txBox="1"/>
           <p:nvPr>
             <p:ph type="title"/>
@@ -17957,7 +18731,7 @@
       </p:sp>
       <p:sp>
         <p:nvSpPr>
-          <p:cNvPr id="193" name="Shape 193"/>
+          <p:cNvPr id="195" name="Shape 195"/>
           <p:cNvSpPr txBox="1"/>
           <p:nvPr>
             <p:ph idx="1" type="body"/>
@@ -18093,7 +18867,7 @@
       </p:sp>
       <p:pic>
         <p:nvPicPr>
-          <p:cNvPr id="194" name="Shape 194"/>
+          <p:cNvPr id="196" name="Shape 196"/>
           <p:cNvPicPr preferRelativeResize="0"/>
           <p:nvPr/>
         </p:nvPicPr>
@@ -18121,7 +18895,7 @@
       </p:pic>
       <p:sp>
         <p:nvSpPr>
-          <p:cNvPr id="195" name="Shape 195"/>
+          <p:cNvPr id="197" name="Shape 197"/>
           <p:cNvSpPr txBox="1"/>
           <p:nvPr/>
         </p:nvSpPr>
